--- a/Chateam Presentation.pptx
+++ b/Chateam Presentation.pptx
@@ -5,7 +5,7 @@
     <p:sldMasterId id="2147483648" r:id="rId1"/>
   </p:sldMasterIdLst>
   <p:notesMasterIdLst>
-    <p:notesMasterId r:id="rId13"/>
+    <p:notesMasterId r:id="rId14"/>
   </p:notesMasterIdLst>
   <p:sldIdLst>
     <p:sldId id="256" r:id="rId2"/>
@@ -15,10 +15,11 @@
     <p:sldId id="265" r:id="rId6"/>
     <p:sldId id="263" r:id="rId7"/>
     <p:sldId id="264" r:id="rId8"/>
-    <p:sldId id="261" r:id="rId9"/>
-    <p:sldId id="259" r:id="rId10"/>
-    <p:sldId id="262" r:id="rId11"/>
-    <p:sldId id="260" r:id="rId12"/>
+    <p:sldId id="303" r:id="rId9"/>
+    <p:sldId id="261" r:id="rId10"/>
+    <p:sldId id="259" r:id="rId11"/>
+    <p:sldId id="262" r:id="rId12"/>
+    <p:sldId id="260" r:id="rId13"/>
   </p:sldIdLst>
   <p:sldSz cx="9144000" cy="6858000" type="screen4x3"/>
   <p:notesSz cx="6858000" cy="9144000"/>
@@ -119,7 +120,7 @@
   </p:defaultTextStyle>
   <p:extLst>
     <p:ext uri="{EFAFB233-063F-42B5-8137-9DF3F51BA10A}">
-      <p15:sldGuideLst xmlns:p15="http://schemas.microsoft.com/office/powerpoint/2012/main">
+      <p15:sldGuideLst xmlns:p15="http://schemas.microsoft.com/office/powerpoint/2012/main" xmlns="">
         <p15:guide id="1" orient="horz" pos="2160">
           <p15:clr>
             <a:srgbClr val="A4A3A4"/>
@@ -218,7 +219,7 @@
           <a:p>
             <a:fld id="{A6EADF31-7264-4730-8F54-22D8732FCB46}" type="datetimeFigureOut">
               <a:rPr lang="en-CA" smtClean="0"/>
-              <a:t>2019-05-04</a:t>
+              <a:t>04/05/2019</a:t>
             </a:fld>
             <a:endParaRPr lang="en-CA"/>
           </a:p>
@@ -1314,7 +1315,7 @@
           <a:p>
             <a:fld id="{D16C3FD5-E829-4CCA-90E5-7633DC7CB563}" type="slidenum">
               <a:rPr lang="en-CA" smtClean="0"/>
-              <a:t>8</a:t>
+              <a:t>9</a:t>
             </a:fld>
             <a:endParaRPr lang="en-CA"/>
           </a:p>
@@ -1413,7 +1414,7 @@
           <a:p>
             <a:fld id="{D16C3FD5-E829-4CCA-90E5-7633DC7CB563}" type="slidenum">
               <a:rPr lang="en-CA" smtClean="0"/>
-              <a:t>10</a:t>
+              <a:t>11</a:t>
             </a:fld>
             <a:endParaRPr lang="en-CA"/>
           </a:p>
@@ -1613,7 +1614,7 @@
           <a:p>
             <a:fld id="{B0EF172C-55A4-435B-8ED2-DE309884BD6D}" type="datetimeFigureOut">
               <a:rPr lang="en-CA" smtClean="0"/>
-              <a:t>2019-05-04</a:t>
+              <a:t>04/05/2019</a:t>
             </a:fld>
             <a:endParaRPr lang="en-CA"/>
           </a:p>
@@ -1783,7 +1784,7 @@
           <a:p>
             <a:fld id="{B0EF172C-55A4-435B-8ED2-DE309884BD6D}" type="datetimeFigureOut">
               <a:rPr lang="en-CA" smtClean="0"/>
-              <a:t>2019-05-04</a:t>
+              <a:t>04/05/2019</a:t>
             </a:fld>
             <a:endParaRPr lang="en-CA"/>
           </a:p>
@@ -1963,7 +1964,7 @@
           <a:p>
             <a:fld id="{B0EF172C-55A4-435B-8ED2-DE309884BD6D}" type="datetimeFigureOut">
               <a:rPr lang="en-CA" smtClean="0"/>
-              <a:t>2019-05-04</a:t>
+              <a:t>04/05/2019</a:t>
             </a:fld>
             <a:endParaRPr lang="en-CA"/>
           </a:p>
@@ -2397,7 +2398,7 @@
           <a:p>
             <a:fld id="{B0EF172C-55A4-435B-8ED2-DE309884BD6D}" type="datetimeFigureOut">
               <a:rPr lang="en-CA" smtClean="0"/>
-              <a:t>2019-05-04</a:t>
+              <a:t>04/05/2019</a:t>
             </a:fld>
             <a:endParaRPr lang="en-CA"/>
           </a:p>
@@ -2643,7 +2644,7 @@
           <a:p>
             <a:fld id="{B0EF172C-55A4-435B-8ED2-DE309884BD6D}" type="datetimeFigureOut">
               <a:rPr lang="en-CA" smtClean="0"/>
-              <a:t>2019-05-04</a:t>
+              <a:t>04/05/2019</a:t>
             </a:fld>
             <a:endParaRPr lang="en-CA"/>
           </a:p>
@@ -2931,7 +2932,7 @@
           <a:p>
             <a:fld id="{B0EF172C-55A4-435B-8ED2-DE309884BD6D}" type="datetimeFigureOut">
               <a:rPr lang="en-CA" smtClean="0"/>
-              <a:t>2019-05-04</a:t>
+              <a:t>04/05/2019</a:t>
             </a:fld>
             <a:endParaRPr lang="en-CA"/>
           </a:p>
@@ -3353,7 +3354,7 @@
           <a:p>
             <a:fld id="{B0EF172C-55A4-435B-8ED2-DE309884BD6D}" type="datetimeFigureOut">
               <a:rPr lang="en-CA" smtClean="0"/>
-              <a:t>2019-05-04</a:t>
+              <a:t>04/05/2019</a:t>
             </a:fld>
             <a:endParaRPr lang="en-CA"/>
           </a:p>
@@ -3471,7 +3472,7 @@
           <a:p>
             <a:fld id="{B0EF172C-55A4-435B-8ED2-DE309884BD6D}" type="datetimeFigureOut">
               <a:rPr lang="en-CA" smtClean="0"/>
-              <a:t>2019-05-04</a:t>
+              <a:t>04/05/2019</a:t>
             </a:fld>
             <a:endParaRPr lang="en-CA"/>
           </a:p>
@@ -3566,7 +3567,7 @@
           <a:p>
             <a:fld id="{B0EF172C-55A4-435B-8ED2-DE309884BD6D}" type="datetimeFigureOut">
               <a:rPr lang="en-CA" smtClean="0"/>
-              <a:t>2019-05-04</a:t>
+              <a:t>04/05/2019</a:t>
             </a:fld>
             <a:endParaRPr lang="en-CA"/>
           </a:p>
@@ -3843,7 +3844,7 @@
           <a:p>
             <a:fld id="{B0EF172C-55A4-435B-8ED2-DE309884BD6D}" type="datetimeFigureOut">
               <a:rPr lang="en-CA" smtClean="0"/>
-              <a:t>2019-05-04</a:t>
+              <a:t>04/05/2019</a:t>
             </a:fld>
             <a:endParaRPr lang="en-CA"/>
           </a:p>
@@ -4096,7 +4097,7 @@
           <a:p>
             <a:fld id="{B0EF172C-55A4-435B-8ED2-DE309884BD6D}" type="datetimeFigureOut">
               <a:rPr lang="en-CA" smtClean="0"/>
-              <a:t>2019-05-04</a:t>
+              <a:t>04/05/2019</a:t>
             </a:fld>
             <a:endParaRPr lang="en-CA"/>
           </a:p>
@@ -4309,7 +4310,7 @@
           <a:p>
             <a:fld id="{B0EF172C-55A4-435B-8ED2-DE309884BD6D}" type="datetimeFigureOut">
               <a:rPr lang="en-CA" smtClean="0"/>
-              <a:t>2019-05-04</a:t>
+              <a:t>04/05/2019</a:t>
             </a:fld>
             <a:endParaRPr lang="en-CA"/>
           </a:p>
@@ -5003,6 +5004,225 @@
           <a:chExt cx="0" cy="0"/>
         </a:xfrm>
       </p:grpSpPr>
+      <p:sp>
+        <p:nvSpPr>
+          <p:cNvPr id="2" name="Title 1"/>
+          <p:cNvSpPr>
+            <a:spLocks noGrp="1"/>
+          </p:cNvSpPr>
+          <p:nvPr>
+            <p:ph type="title"/>
+          </p:nvPr>
+        </p:nvSpPr>
+        <p:spPr/>
+        <p:txBody>
+          <a:bodyPr/>
+          <a:lstStyle/>
+          <a:p>
+            <a:r>
+              <a:rPr lang="en-CA" b="1" dirty="0">
+                <a:solidFill>
+                  <a:schemeClr val="accent6">
+                    <a:lumMod val="75000"/>
+                  </a:schemeClr>
+                </a:solidFill>
+              </a:rPr>
+              <a:t>Results</a:t>
+            </a:r>
+          </a:p>
+        </p:txBody>
+      </p:sp>
+      <p:pic>
+        <p:nvPicPr>
+          <p:cNvPr id="4" name="Picture 3">
+            <a:extLst>
+              <a:ext uri="{FF2B5EF4-FFF2-40B4-BE49-F238E27FC236}">
+                <a16:creationId xmlns:a16="http://schemas.microsoft.com/office/drawing/2014/main" xmlns="" id="{76C3CB6E-1FBF-4848-9155-E7E23D7258D1}"/>
+              </a:ext>
+            </a:extLst>
+          </p:cNvPr>
+          <p:cNvPicPr>
+            <a:picLocks noChangeAspect="1"/>
+          </p:cNvPicPr>
+          <p:nvPr/>
+        </p:nvPicPr>
+        <p:blipFill>
+          <a:blip r:embed="rId2"/>
+          <a:stretch>
+            <a:fillRect/>
+          </a:stretch>
+        </p:blipFill>
+        <p:spPr>
+          <a:xfrm>
+            <a:off x="1182588" y="1239077"/>
+            <a:ext cx="5981700" cy="5295900"/>
+          </a:xfrm>
+          <a:prstGeom prst="rect">
+            <a:avLst/>
+          </a:prstGeom>
+        </p:spPr>
+      </p:pic>
+      <p:sp>
+        <p:nvSpPr>
+          <p:cNvPr id="5" name="TextBox 4"/>
+          <p:cNvSpPr txBox="1"/>
+          <p:nvPr/>
+        </p:nvSpPr>
+        <p:spPr>
+          <a:xfrm>
+            <a:off x="3750102" y="1844824"/>
+            <a:ext cx="389850" cy="584775"/>
+          </a:xfrm>
+          <a:prstGeom prst="rect">
+            <a:avLst/>
+          </a:prstGeom>
+          <a:noFill/>
+        </p:spPr>
+        <p:txBody>
+          <a:bodyPr wrap="none" rtlCol="0">
+            <a:spAutoFit/>
+          </a:bodyPr>
+          <a:lstStyle/>
+          <a:p>
+            <a:r>
+              <a:rPr lang="en-CA" sz="3200" b="1" dirty="0"/>
+              <a:t>*</a:t>
+            </a:r>
+          </a:p>
+        </p:txBody>
+      </p:sp>
+      <mc:AlternateContent xmlns:mc="http://schemas.openxmlformats.org/markup-compatibility/2006" xmlns:a14="http://schemas.microsoft.com/office/drawing/2010/main">
+        <mc:Choice Requires="a14">
+          <p:sp>
+            <p:nvSpPr>
+              <p:cNvPr id="6" name="TextBox 5"/>
+              <p:cNvSpPr txBox="1"/>
+              <p:nvPr/>
+            </p:nvSpPr>
+            <p:spPr>
+              <a:xfrm>
+                <a:off x="5940152" y="6216551"/>
+                <a:ext cx="2847703" cy="369332"/>
+              </a:xfrm>
+              <a:prstGeom prst="rect">
+                <a:avLst/>
+              </a:prstGeom>
+              <a:noFill/>
+            </p:spPr>
+            <p:txBody>
+              <a:bodyPr wrap="none" rtlCol="0">
+                <a:spAutoFit/>
+              </a:bodyPr>
+              <a:lstStyle/>
+              <a:p>
+                <a:pPr/>
+                <a14:m>
+                  <m:oMathPara xmlns:m="http://schemas.openxmlformats.org/officeDocument/2006/math">
+                    <m:oMathParaPr>
+                      <m:jc m:val="centerGroup"/>
+                    </m:oMathParaPr>
+                    <m:oMath xmlns:m="http://schemas.openxmlformats.org/officeDocument/2006/math">
+                      <m:r>
+                        <a:rPr lang="en-CA" i="1" dirty="0" smtClean="0">
+                          <a:latin typeface="Cambria Math"/>
+                        </a:rPr>
+                        <m:t>𝑡</m:t>
+                      </m:r>
+                      <m:r>
+                        <a:rPr lang="en-CA" i="1" dirty="0" smtClean="0">
+                          <a:latin typeface="Cambria Math"/>
+                        </a:rPr>
+                        <m:t>(110) = −2.31, </m:t>
+                      </m:r>
+                      <m:r>
+                        <a:rPr lang="en-CA" i="1" dirty="0" smtClean="0">
+                          <a:latin typeface="Cambria Math"/>
+                        </a:rPr>
+                        <m:t>𝑝</m:t>
+                      </m:r>
+                      <m:r>
+                        <a:rPr lang="en-CA" i="1" dirty="0" smtClean="0">
+                          <a:latin typeface="Cambria Math"/>
+                        </a:rPr>
+                        <m:t> = .02</m:t>
+                      </m:r>
+                    </m:oMath>
+                  </m:oMathPara>
+                </a14:m>
+                <a:endParaRPr lang="en-CA" dirty="0"/>
+              </a:p>
+            </p:txBody>
+          </p:sp>
+        </mc:Choice>
+        <mc:Fallback xmlns="">
+          <p:sp>
+            <p:nvSpPr>
+              <p:cNvPr id="6" name="TextBox 5"/>
+              <p:cNvSpPr txBox="1">
+                <a:spLocks noRot="1" noChangeAspect="1" noMove="1" noResize="1" noEditPoints="1" noAdjustHandles="1" noChangeArrowheads="1" noChangeShapeType="1" noTextEdit="1"/>
+              </p:cNvSpPr>
+              <p:nvPr/>
+            </p:nvSpPr>
+            <p:spPr>
+              <a:xfrm>
+                <a:off x="5940152" y="6216551"/>
+                <a:ext cx="2847703" cy="369332"/>
+              </a:xfrm>
+              <a:prstGeom prst="rect">
+                <a:avLst/>
+              </a:prstGeom>
+              <a:blipFill rotWithShape="1">
+                <a:blip r:embed="rId3"/>
+                <a:stretch>
+                  <a:fillRect b="-13333"/>
+                </a:stretch>
+              </a:blipFill>
+            </p:spPr>
+            <p:txBody>
+              <a:bodyPr/>
+              <a:lstStyle/>
+              <a:p>
+                <a:r>
+                  <a:rPr lang="en-CA">
+                    <a:noFill/>
+                  </a:rPr>
+                  <a:t> </a:t>
+                </a:r>
+              </a:p>
+            </p:txBody>
+          </p:sp>
+        </mc:Fallback>
+      </mc:AlternateContent>
+    </p:spTree>
+    <p:extLst>
+      <p:ext uri="{BB962C8B-B14F-4D97-AF65-F5344CB8AC3E}">
+        <p14:creationId xmlns:p14="http://schemas.microsoft.com/office/powerpoint/2010/main" val="1708246546"/>
+      </p:ext>
+    </p:extLst>
+  </p:cSld>
+  <p:clrMapOvr>
+    <a:masterClrMapping/>
+  </p:clrMapOvr>
+</p:sld>
+</file>
+
+<file path=ppt/slides/slide11.xml><?xml version="1.0" encoding="utf-8"?>
+<p:sld xmlns:a="http://schemas.openxmlformats.org/drawingml/2006/main" xmlns:r="http://schemas.openxmlformats.org/officeDocument/2006/relationships" xmlns:p="http://schemas.openxmlformats.org/presentationml/2006/main">
+  <p:cSld>
+    <p:spTree>
+      <p:nvGrpSpPr>
+        <p:cNvPr id="1" name=""/>
+        <p:cNvGrpSpPr/>
+        <p:nvPr/>
+      </p:nvGrpSpPr>
+      <p:grpSpPr>
+        <a:xfrm>
+          <a:off x="0" y="0"/>
+          <a:ext cx="0" cy="0"/>
+          <a:chOff x="0" y="0"/>
+          <a:chExt cx="0" cy="0"/>
+        </a:xfrm>
+      </p:grpSpPr>
       <p:pic>
         <p:nvPicPr>
           <p:cNvPr id="2050" name="Picture 2"/>
@@ -5155,7 +5375,7 @@
 </p:sld>
 </file>
 
-<file path=ppt/slides/slide11.xml><?xml version="1.0" encoding="utf-8"?>
+<file path=ppt/slides/slide12.xml><?xml version="1.0" encoding="utf-8"?>
 <p:sld xmlns:a="http://schemas.openxmlformats.org/drawingml/2006/main" xmlns:r="http://schemas.openxmlformats.org/officeDocument/2006/relationships" xmlns:p="http://schemas.openxmlformats.org/presentationml/2006/main">
   <p:cSld>
     <p:spTree>
@@ -5403,7 +5623,7 @@
           <p:cNvPr id="2" name="Title 1">
             <a:extLst>
               <a:ext uri="{FF2B5EF4-FFF2-40B4-BE49-F238E27FC236}">
-                <a16:creationId xmlns:a16="http://schemas.microsoft.com/office/drawing/2014/main" id="{0C8A1858-F0AC-0343-BDAE-2A88185BBED2}"/>
+                <a16:creationId xmlns:a16="http://schemas.microsoft.com/office/drawing/2014/main" xmlns="" id="{0C8A1858-F0AC-0343-BDAE-2A88185BBED2}"/>
               </a:ext>
             </a:extLst>
           </p:cNvPr>
@@ -5437,7 +5657,7 @@
           <p:cNvPr id="4" name="Slide Number Placeholder 3">
             <a:extLst>
               <a:ext uri="{FF2B5EF4-FFF2-40B4-BE49-F238E27FC236}">
-                <a16:creationId xmlns:a16="http://schemas.microsoft.com/office/drawing/2014/main" id="{8D7A42F6-42EA-5841-A038-6F9EDD4382DB}"/>
+                <a16:creationId xmlns:a16="http://schemas.microsoft.com/office/drawing/2014/main" xmlns="" id="{8D7A42F6-42EA-5841-A038-6F9EDD4382DB}"/>
               </a:ext>
             </a:extLst>
           </p:cNvPr>
@@ -5467,7 +5687,7 @@
           <p:cNvPr id="8" name="Picture 7">
             <a:extLst>
               <a:ext uri="{FF2B5EF4-FFF2-40B4-BE49-F238E27FC236}">
-                <a16:creationId xmlns:a16="http://schemas.microsoft.com/office/drawing/2014/main" id="{A074F20A-BF18-CF48-A120-6D782CA86A37}"/>
+                <a16:creationId xmlns:a16="http://schemas.microsoft.com/office/drawing/2014/main" xmlns="" id="{A074F20A-BF18-CF48-A120-6D782CA86A37}"/>
               </a:ext>
             </a:extLst>
           </p:cNvPr>
@@ -5511,7 +5731,7 @@
           <p:cNvPr id="10" name="Picture 9">
             <a:extLst>
               <a:ext uri="{FF2B5EF4-FFF2-40B4-BE49-F238E27FC236}">
-                <a16:creationId xmlns:a16="http://schemas.microsoft.com/office/drawing/2014/main" id="{8E3A57CE-A553-0945-98E0-12BD5023BC1B}"/>
+                <a16:creationId xmlns:a16="http://schemas.microsoft.com/office/drawing/2014/main" xmlns="" id="{8E3A57CE-A553-0945-98E0-12BD5023BC1B}"/>
               </a:ext>
             </a:extLst>
           </p:cNvPr>
@@ -5555,7 +5775,7 @@
           <p:cNvPr id="12" name="Picture 11">
             <a:extLst>
               <a:ext uri="{FF2B5EF4-FFF2-40B4-BE49-F238E27FC236}">
-                <a16:creationId xmlns:a16="http://schemas.microsoft.com/office/drawing/2014/main" id="{22F5D166-6D2F-6E43-B9FD-775D79C133D1}"/>
+                <a16:creationId xmlns:a16="http://schemas.microsoft.com/office/drawing/2014/main" xmlns="" id="{22F5D166-6D2F-6E43-B9FD-775D79C133D1}"/>
               </a:ext>
             </a:extLst>
           </p:cNvPr>
@@ -5599,7 +5819,7 @@
           <p:cNvPr id="17" name="Straight Arrow Connector 16">
             <a:extLst>
               <a:ext uri="{FF2B5EF4-FFF2-40B4-BE49-F238E27FC236}">
-                <a16:creationId xmlns:a16="http://schemas.microsoft.com/office/drawing/2014/main" id="{B9081209-A795-2D48-8156-2B43C247D697}"/>
+                <a16:creationId xmlns:a16="http://schemas.microsoft.com/office/drawing/2014/main" xmlns="" id="{B9081209-A795-2D48-8156-2B43C247D697}"/>
               </a:ext>
             </a:extLst>
           </p:cNvPr>
@@ -5643,7 +5863,7 @@
           <p:cNvPr id="14" name="Straight Arrow Connector 13">
             <a:extLst>
               <a:ext uri="{FF2B5EF4-FFF2-40B4-BE49-F238E27FC236}">
-                <a16:creationId xmlns:a16="http://schemas.microsoft.com/office/drawing/2014/main" id="{D10786F6-5FED-5649-ADBF-5AB53279BDB3}"/>
+                <a16:creationId xmlns:a16="http://schemas.microsoft.com/office/drawing/2014/main" xmlns="" id="{D10786F6-5FED-5649-ADBF-5AB53279BDB3}"/>
               </a:ext>
             </a:extLst>
           </p:cNvPr>
@@ -5687,7 +5907,7 @@
           <p:cNvPr id="3" name="TextBox 2">
             <a:extLst>
               <a:ext uri="{FF2B5EF4-FFF2-40B4-BE49-F238E27FC236}">
-                <a16:creationId xmlns:a16="http://schemas.microsoft.com/office/drawing/2014/main" id="{39F61ED8-B209-1842-9C41-4F67801962B6}"/>
+                <a16:creationId xmlns:a16="http://schemas.microsoft.com/office/drawing/2014/main" xmlns="" id="{39F61ED8-B209-1842-9C41-4F67801962B6}"/>
               </a:ext>
             </a:extLst>
           </p:cNvPr>
@@ -5769,7 +5989,7 @@
           <p:cNvPr id="5" name="TextBox 4">
             <a:extLst>
               <a:ext uri="{FF2B5EF4-FFF2-40B4-BE49-F238E27FC236}">
-                <a16:creationId xmlns:a16="http://schemas.microsoft.com/office/drawing/2014/main" id="{BD527CA3-630F-624D-AABC-3427FC9AA7C0}"/>
+                <a16:creationId xmlns:a16="http://schemas.microsoft.com/office/drawing/2014/main" xmlns="" id="{BD527CA3-630F-624D-AABC-3427FC9AA7C0}"/>
               </a:ext>
             </a:extLst>
           </p:cNvPr>
@@ -5806,7 +6026,7 @@
           <p:cNvPr id="6" name="TextBox 5">
             <a:extLst>
               <a:ext uri="{FF2B5EF4-FFF2-40B4-BE49-F238E27FC236}">
-                <a16:creationId xmlns:a16="http://schemas.microsoft.com/office/drawing/2014/main" id="{7268B01F-31A2-214C-A7BE-4C5B77D81F71}"/>
+                <a16:creationId xmlns:a16="http://schemas.microsoft.com/office/drawing/2014/main" xmlns="" id="{7268B01F-31A2-214C-A7BE-4C5B77D81F71}"/>
               </a:ext>
             </a:extLst>
           </p:cNvPr>
@@ -5863,7 +6083,7 @@
           <p:cNvPr id="13" name="TextBox 12">
             <a:extLst>
               <a:ext uri="{FF2B5EF4-FFF2-40B4-BE49-F238E27FC236}">
-                <a16:creationId xmlns:a16="http://schemas.microsoft.com/office/drawing/2014/main" id="{2AAEDD26-7560-D546-AF4B-C4656FE379D4}"/>
+                <a16:creationId xmlns:a16="http://schemas.microsoft.com/office/drawing/2014/main" xmlns="" id="{2AAEDD26-7560-D546-AF4B-C4656FE379D4}"/>
               </a:ext>
             </a:extLst>
           </p:cNvPr>
@@ -5920,7 +6140,7 @@
           <p:cNvPr id="15" name="TextBox 14">
             <a:extLst>
               <a:ext uri="{FF2B5EF4-FFF2-40B4-BE49-F238E27FC236}">
-                <a16:creationId xmlns:a16="http://schemas.microsoft.com/office/drawing/2014/main" id="{A7366EFE-68B9-104B-8AFA-6DD131E1B0BA}"/>
+                <a16:creationId xmlns:a16="http://schemas.microsoft.com/office/drawing/2014/main" xmlns="" id="{A7366EFE-68B9-104B-8AFA-6DD131E1B0BA}"/>
               </a:ext>
             </a:extLst>
           </p:cNvPr>
@@ -5977,7 +6197,7 @@
           <p:cNvPr id="16" name="TextBox 15">
             <a:extLst>
               <a:ext uri="{FF2B5EF4-FFF2-40B4-BE49-F238E27FC236}">
-                <a16:creationId xmlns:a16="http://schemas.microsoft.com/office/drawing/2014/main" id="{8079B832-6AEB-8643-B1AE-6450C60193C7}"/>
+                <a16:creationId xmlns:a16="http://schemas.microsoft.com/office/drawing/2014/main" xmlns="" id="{8079B832-6AEB-8643-B1AE-6450C60193C7}"/>
               </a:ext>
             </a:extLst>
           </p:cNvPr>
@@ -6034,7 +6254,7 @@
           <p:cNvPr id="18" name="TextBox 17">
             <a:extLst>
               <a:ext uri="{FF2B5EF4-FFF2-40B4-BE49-F238E27FC236}">
-                <a16:creationId xmlns:a16="http://schemas.microsoft.com/office/drawing/2014/main" id="{CE855EA4-14EC-8D4B-A74A-C25ED4BB229D}"/>
+                <a16:creationId xmlns:a16="http://schemas.microsoft.com/office/drawing/2014/main" xmlns="" id="{CE855EA4-14EC-8D4B-A74A-C25ED4BB229D}"/>
               </a:ext>
             </a:extLst>
           </p:cNvPr>
@@ -6755,6 +6975,66 @@
           </a:prstGeom>
         </p:spPr>
       </p:pic>
+      <p:cxnSp>
+        <p:nvCxnSpPr>
+          <p:cNvPr id="6" name="Straight Connector 5"/>
+          <p:cNvCxnSpPr/>
+          <p:nvPr/>
+        </p:nvCxnSpPr>
+        <p:spPr>
+          <a:xfrm flipH="1" flipV="1">
+            <a:off x="1844299" y="3429000"/>
+            <a:ext cx="2799709" cy="936104"/>
+          </a:xfrm>
+          <a:prstGeom prst="line">
+            <a:avLst/>
+          </a:prstGeom>
+        </p:spPr>
+        <p:style>
+          <a:lnRef idx="1">
+            <a:schemeClr val="dk1"/>
+          </a:lnRef>
+          <a:fillRef idx="0">
+            <a:schemeClr val="dk1"/>
+          </a:fillRef>
+          <a:effectRef idx="0">
+            <a:schemeClr val="dk1"/>
+          </a:effectRef>
+          <a:fontRef idx="minor">
+            <a:schemeClr val="tx1"/>
+          </a:fontRef>
+        </p:style>
+      </p:cxnSp>
+      <p:sp>
+        <p:nvSpPr>
+          <p:cNvPr id="7" name="TextBox 6"/>
+          <p:cNvSpPr txBox="1"/>
+          <p:nvPr/>
+        </p:nvSpPr>
+        <p:spPr>
+          <a:xfrm flipH="1">
+            <a:off x="971600" y="3140968"/>
+            <a:ext cx="1296144" cy="369332"/>
+          </a:xfrm>
+          <a:prstGeom prst="rect">
+            <a:avLst/>
+          </a:prstGeom>
+          <a:noFill/>
+        </p:spPr>
+        <p:txBody>
+          <a:bodyPr wrap="square" rtlCol="0">
+            <a:spAutoFit/>
+          </a:bodyPr>
+          <a:lstStyle/>
+          <a:p>
+            <a:r>
+              <a:rPr lang="en-CA" dirty="0" smtClean="0"/>
+              <a:t>Reward</a:t>
+            </a:r>
+            <a:endParaRPr lang="en-CA" dirty="0"/>
+          </a:p>
+        </p:txBody>
+      </p:sp>
     </p:spTree>
     <p:extLst>
       <p:ext uri="{BB962C8B-B14F-4D97-AF65-F5344CB8AC3E}">
@@ -6918,9 +7198,31 @@
           </a:p>
         </p:txBody>
       </p:sp>
+      <p:sp>
+        <p:nvSpPr>
+          <p:cNvPr id="3" name="Content Placeholder 2"/>
+          <p:cNvSpPr>
+            <a:spLocks noGrp="1"/>
+          </p:cNvSpPr>
+          <p:nvPr>
+            <p:ph idx="1"/>
+          </p:nvPr>
+        </p:nvSpPr>
+        <p:spPr/>
+        <p:txBody>
+          <a:bodyPr/>
+          <a:lstStyle/>
+          <a:p>
+            <a:r>
+              <a:rPr lang="en-CA" dirty="0"/>
+              <a:t>Measure of overlapping distributions</a:t>
+            </a:r>
+          </a:p>
+        </p:txBody>
+      </p:sp>
       <p:pic>
         <p:nvPicPr>
-          <p:cNvPr id="5" name="Picture 4"/>
+          <p:cNvPr id="6" name="Picture 5"/>
           <p:cNvPicPr>
             <a:picLocks noChangeAspect="1"/>
           </p:cNvPicPr>
@@ -6934,72 +7236,13 @@
               </a:ext>
             </a:extLst>
           </a:blip>
-          <a:srcRect l="50740" t="7428" r="18538" b="49944"/>
+          <a:srcRect b="16630"/>
           <a:stretch/>
         </p:blipFill>
         <p:spPr>
           <a:xfrm>
-            <a:off x="8676456" y="2420888"/>
-            <a:ext cx="3952068" cy="3967567"/>
-          </a:xfrm>
-          <a:prstGeom prst="rect">
-            <a:avLst/>
-          </a:prstGeom>
-          <a:ln>
-            <a:solidFill>
-              <a:schemeClr val="accent1"/>
-            </a:solidFill>
-          </a:ln>
-          <a:effectLst>
-            <a:reflection stA="0" endPos="65000" dist="50800" dir="5400000" sy="-100000" algn="bl" rotWithShape="0"/>
-          </a:effectLst>
-        </p:spPr>
-      </p:pic>
-      <p:sp>
-        <p:nvSpPr>
-          <p:cNvPr id="3" name="Content Placeholder 2"/>
-          <p:cNvSpPr>
-            <a:spLocks noGrp="1"/>
-          </p:cNvSpPr>
-          <p:nvPr>
-            <p:ph idx="1"/>
-          </p:nvPr>
-        </p:nvSpPr>
-        <p:spPr/>
-        <p:txBody>
-          <a:bodyPr/>
-          <a:lstStyle/>
-          <a:p>
-            <a:r>
-              <a:rPr lang="en-CA" dirty="0"/>
-              <a:t>Measure of overlapping distributions</a:t>
-            </a:r>
-          </a:p>
-        </p:txBody>
-      </p:sp>
-      <p:pic>
-        <p:nvPicPr>
-          <p:cNvPr id="4" name="Picture 3"/>
-          <p:cNvPicPr>
-            <a:picLocks noChangeAspect="1"/>
-          </p:cNvPicPr>
-          <p:nvPr/>
-        </p:nvPicPr>
-        <p:blipFill rotWithShape="1">
-          <a:blip r:embed="rId3">
-            <a:extLst>
-              <a:ext uri="{28A0092B-C50C-407E-A947-70E740481C1C}">
-                <a14:useLocalDpi xmlns:a14="http://schemas.microsoft.com/office/drawing/2010/main" val="0"/>
-              </a:ext>
-            </a:extLst>
-          </a:blip>
-          <a:srcRect l="38050" t="1617" r="12818" b="53842"/>
-          <a:stretch/>
-        </p:blipFill>
-        <p:spPr>
-          <a:xfrm>
-            <a:off x="2326453" y="2789695"/>
-            <a:ext cx="5765370" cy="3781586"/>
+            <a:off x="2123728" y="2749754"/>
+            <a:ext cx="6828168" cy="4108246"/>
           </a:xfrm>
           <a:prstGeom prst="rect">
             <a:avLst/>
@@ -7052,6 +7295,177 @@
           <a:lstStyle/>
           <a:p>
             <a:r>
+              <a:rPr lang="en-CA" dirty="0" err="1"/>
+              <a:t>Battacharya</a:t>
+            </a:r>
+            <a:r>
+              <a:rPr lang="en-CA" dirty="0"/>
+              <a:t> Coefficient</a:t>
+            </a:r>
+          </a:p>
+        </p:txBody>
+      </p:sp>
+      <p:sp>
+        <p:nvSpPr>
+          <p:cNvPr id="3" name="Content Placeholder 2"/>
+          <p:cNvSpPr>
+            <a:spLocks noGrp="1"/>
+          </p:cNvSpPr>
+          <p:nvPr>
+            <p:ph idx="1"/>
+          </p:nvPr>
+        </p:nvSpPr>
+        <p:spPr/>
+        <p:txBody>
+          <a:bodyPr/>
+          <a:lstStyle/>
+          <a:p>
+            <a:r>
+              <a:rPr lang="en-CA" dirty="0"/>
+              <a:t>Measure of overlapping distributions</a:t>
+            </a:r>
+          </a:p>
+        </p:txBody>
+      </p:sp>
+      <p:pic>
+        <p:nvPicPr>
+          <p:cNvPr id="4" name="Picture 3"/>
+          <p:cNvPicPr>
+            <a:picLocks noChangeAspect="1"/>
+          </p:cNvPicPr>
+          <p:nvPr/>
+        </p:nvPicPr>
+        <p:blipFill rotWithShape="1">
+          <a:blip r:embed="rId2">
+            <a:extLst>
+              <a:ext uri="{28A0092B-C50C-407E-A947-70E740481C1C}">
+                <a14:useLocalDpi xmlns:a14="http://schemas.microsoft.com/office/drawing/2010/main" val="0"/>
+              </a:ext>
+            </a:extLst>
+          </a:blip>
+          <a:srcRect b="16736"/>
+          <a:stretch/>
+        </p:blipFill>
+        <p:spPr>
+          <a:xfrm>
+            <a:off x="2123728" y="2780928"/>
+            <a:ext cx="6784971" cy="4077072"/>
+          </a:xfrm>
+          <a:prstGeom prst="rect">
+            <a:avLst/>
+          </a:prstGeom>
+        </p:spPr>
+      </p:pic>
+      <p:cxnSp>
+        <p:nvCxnSpPr>
+          <p:cNvPr id="6" name="Straight Connector 5"/>
+          <p:cNvCxnSpPr/>
+          <p:nvPr/>
+        </p:nvCxnSpPr>
+        <p:spPr>
+          <a:xfrm flipH="1" flipV="1">
+            <a:off x="2411760" y="3609020"/>
+            <a:ext cx="2952328" cy="216024"/>
+          </a:xfrm>
+          <a:prstGeom prst="line">
+            <a:avLst/>
+          </a:prstGeom>
+        </p:spPr>
+        <p:style>
+          <a:lnRef idx="1">
+            <a:schemeClr val="dk1"/>
+          </a:lnRef>
+          <a:fillRef idx="0">
+            <a:schemeClr val="dk1"/>
+          </a:fillRef>
+          <a:effectRef idx="0">
+            <a:schemeClr val="dk1"/>
+          </a:effectRef>
+          <a:fontRef idx="minor">
+            <a:schemeClr val="tx1"/>
+          </a:fontRef>
+        </p:style>
+      </p:cxnSp>
+      <p:sp>
+        <p:nvSpPr>
+          <p:cNvPr id="9" name="TextBox 8"/>
+          <p:cNvSpPr txBox="1"/>
+          <p:nvPr/>
+        </p:nvSpPr>
+        <p:spPr>
+          <a:xfrm>
+            <a:off x="323528" y="3212976"/>
+            <a:ext cx="3088923" cy="461665"/>
+          </a:xfrm>
+          <a:prstGeom prst="rect">
+            <a:avLst/>
+          </a:prstGeom>
+          <a:noFill/>
+        </p:spPr>
+        <p:txBody>
+          <a:bodyPr wrap="none" rtlCol="0">
+            <a:spAutoFit/>
+          </a:bodyPr>
+          <a:lstStyle/>
+          <a:p>
+            <a:r>
+              <a:rPr lang="en-CA" sz="2400" dirty="0" err="1" smtClean="0"/>
+              <a:t>Battacharya</a:t>
+            </a:r>
+            <a:r>
+              <a:rPr lang="en-CA" sz="2400" dirty="0" smtClean="0"/>
+              <a:t> Coefficient</a:t>
+            </a:r>
+            <a:endParaRPr lang="en-CA" sz="2400" dirty="0"/>
+          </a:p>
+        </p:txBody>
+      </p:sp>
+    </p:spTree>
+    <p:extLst>
+      <p:ext uri="{BB962C8B-B14F-4D97-AF65-F5344CB8AC3E}">
+        <p14:creationId xmlns:p14="http://schemas.microsoft.com/office/powerpoint/2010/main" val="835410874"/>
+      </p:ext>
+    </p:extLst>
+  </p:cSld>
+  <p:clrMapOvr>
+    <a:masterClrMapping/>
+  </p:clrMapOvr>
+</p:sld>
+</file>
+
+<file path=ppt/slides/slide9.xml><?xml version="1.0" encoding="utf-8"?>
+<p:sld xmlns:a="http://schemas.openxmlformats.org/drawingml/2006/main" xmlns:r="http://schemas.openxmlformats.org/officeDocument/2006/relationships" xmlns:p="http://schemas.openxmlformats.org/presentationml/2006/main">
+  <p:cSld>
+    <p:spTree>
+      <p:nvGrpSpPr>
+        <p:cNvPr id="1" name=""/>
+        <p:cNvGrpSpPr/>
+        <p:nvPr/>
+      </p:nvGrpSpPr>
+      <p:grpSpPr>
+        <a:xfrm>
+          <a:off x="0" y="0"/>
+          <a:ext cx="0" cy="0"/>
+          <a:chOff x="0" y="0"/>
+          <a:chExt cx="0" cy="0"/>
+        </a:xfrm>
+      </p:grpSpPr>
+      <p:sp>
+        <p:nvSpPr>
+          <p:cNvPr id="2" name="Title 1"/>
+          <p:cNvSpPr>
+            <a:spLocks noGrp="1"/>
+          </p:cNvSpPr>
+          <p:nvPr>
+            <p:ph type="title"/>
+          </p:nvPr>
+        </p:nvSpPr>
+        <p:spPr/>
+        <p:txBody>
+          <a:bodyPr/>
+          <a:lstStyle/>
+          <a:p>
+            <a:r>
               <a:rPr lang="en-CA" b="1" dirty="0">
                 <a:solidFill>
                   <a:schemeClr val="accent6">
@@ -7069,7 +7483,7 @@
           <p:cNvPr id="4" name="Picture 3">
             <a:extLst>
               <a:ext uri="{FF2B5EF4-FFF2-40B4-BE49-F238E27FC236}">
-                <a16:creationId xmlns:a16="http://schemas.microsoft.com/office/drawing/2014/main" id="{C8D9AA40-7927-0F41-AF21-5C3EF4ADFBDB}"/>
+                <a16:creationId xmlns:a16="http://schemas.microsoft.com/office/drawing/2014/main" xmlns="" id="{C8D9AA40-7927-0F41-AF21-5C3EF4ADFBDB}"/>
               </a:ext>
             </a:extLst>
           </p:cNvPr>
@@ -7234,7 +7648,7 @@
                       <m:dPr>
                         <m:ctrlPr>
                           <a:rPr lang="en-CA" i="1" dirty="0" smtClean="0">
-                            <a:latin typeface="Cambria Math" panose="02040503050406030204" pitchFamily="18" charset="0"/>
+                            <a:latin typeface="Cambria Math"/>
                           </a:rPr>
                         </m:ctrlPr>
                       </m:dPr>
@@ -7345,225 +7759,6 @@
     <p:extLst>
       <p:ext uri="{BB962C8B-B14F-4D97-AF65-F5344CB8AC3E}">
         <p14:creationId xmlns:p14="http://schemas.microsoft.com/office/powerpoint/2010/main" val="273221464"/>
-      </p:ext>
-    </p:extLst>
-  </p:cSld>
-  <p:clrMapOvr>
-    <a:masterClrMapping/>
-  </p:clrMapOvr>
-</p:sld>
-</file>
-
-<file path=ppt/slides/slide9.xml><?xml version="1.0" encoding="utf-8"?>
-<p:sld xmlns:a="http://schemas.openxmlformats.org/drawingml/2006/main" xmlns:r="http://schemas.openxmlformats.org/officeDocument/2006/relationships" xmlns:p="http://schemas.openxmlformats.org/presentationml/2006/main">
-  <p:cSld>
-    <p:spTree>
-      <p:nvGrpSpPr>
-        <p:cNvPr id="1" name=""/>
-        <p:cNvGrpSpPr/>
-        <p:nvPr/>
-      </p:nvGrpSpPr>
-      <p:grpSpPr>
-        <a:xfrm>
-          <a:off x="0" y="0"/>
-          <a:ext cx="0" cy="0"/>
-          <a:chOff x="0" y="0"/>
-          <a:chExt cx="0" cy="0"/>
-        </a:xfrm>
-      </p:grpSpPr>
-      <p:sp>
-        <p:nvSpPr>
-          <p:cNvPr id="2" name="Title 1"/>
-          <p:cNvSpPr>
-            <a:spLocks noGrp="1"/>
-          </p:cNvSpPr>
-          <p:nvPr>
-            <p:ph type="title"/>
-          </p:nvPr>
-        </p:nvSpPr>
-        <p:spPr/>
-        <p:txBody>
-          <a:bodyPr/>
-          <a:lstStyle/>
-          <a:p>
-            <a:r>
-              <a:rPr lang="en-CA" b="1" dirty="0">
-                <a:solidFill>
-                  <a:schemeClr val="accent6">
-                    <a:lumMod val="75000"/>
-                  </a:schemeClr>
-                </a:solidFill>
-              </a:rPr>
-              <a:t>Results</a:t>
-            </a:r>
-          </a:p>
-        </p:txBody>
-      </p:sp>
-      <p:pic>
-        <p:nvPicPr>
-          <p:cNvPr id="4" name="Picture 3">
-            <a:extLst>
-              <a:ext uri="{FF2B5EF4-FFF2-40B4-BE49-F238E27FC236}">
-                <a16:creationId xmlns:a16="http://schemas.microsoft.com/office/drawing/2014/main" id="{76C3CB6E-1FBF-4848-9155-E7E23D7258D1}"/>
-              </a:ext>
-            </a:extLst>
-          </p:cNvPr>
-          <p:cNvPicPr>
-            <a:picLocks noChangeAspect="1"/>
-          </p:cNvPicPr>
-          <p:nvPr/>
-        </p:nvPicPr>
-        <p:blipFill>
-          <a:blip r:embed="rId2"/>
-          <a:stretch>
-            <a:fillRect/>
-          </a:stretch>
-        </p:blipFill>
-        <p:spPr>
-          <a:xfrm>
-            <a:off x="1182588" y="1239077"/>
-            <a:ext cx="5981700" cy="5295900"/>
-          </a:xfrm>
-          <a:prstGeom prst="rect">
-            <a:avLst/>
-          </a:prstGeom>
-        </p:spPr>
-      </p:pic>
-      <p:sp>
-        <p:nvSpPr>
-          <p:cNvPr id="5" name="TextBox 4"/>
-          <p:cNvSpPr txBox="1"/>
-          <p:nvPr/>
-        </p:nvSpPr>
-        <p:spPr>
-          <a:xfrm>
-            <a:off x="3750102" y="1844824"/>
-            <a:ext cx="389850" cy="584775"/>
-          </a:xfrm>
-          <a:prstGeom prst="rect">
-            <a:avLst/>
-          </a:prstGeom>
-          <a:noFill/>
-        </p:spPr>
-        <p:txBody>
-          <a:bodyPr wrap="none" rtlCol="0">
-            <a:spAutoFit/>
-          </a:bodyPr>
-          <a:lstStyle/>
-          <a:p>
-            <a:r>
-              <a:rPr lang="en-CA" sz="3200" b="1" dirty="0"/>
-              <a:t>*</a:t>
-            </a:r>
-          </a:p>
-        </p:txBody>
-      </p:sp>
-      <mc:AlternateContent xmlns:mc="http://schemas.openxmlformats.org/markup-compatibility/2006" xmlns:a14="http://schemas.microsoft.com/office/drawing/2010/main">
-        <mc:Choice Requires="a14">
-          <p:sp>
-            <p:nvSpPr>
-              <p:cNvPr id="6" name="TextBox 5"/>
-              <p:cNvSpPr txBox="1"/>
-              <p:nvPr/>
-            </p:nvSpPr>
-            <p:spPr>
-              <a:xfrm>
-                <a:off x="5940152" y="6216551"/>
-                <a:ext cx="2847703" cy="369332"/>
-              </a:xfrm>
-              <a:prstGeom prst="rect">
-                <a:avLst/>
-              </a:prstGeom>
-              <a:noFill/>
-            </p:spPr>
-            <p:txBody>
-              <a:bodyPr wrap="none" rtlCol="0">
-                <a:spAutoFit/>
-              </a:bodyPr>
-              <a:lstStyle/>
-              <a:p>
-                <a:pPr/>
-                <a14:m>
-                  <m:oMathPara xmlns:m="http://schemas.openxmlformats.org/officeDocument/2006/math">
-                    <m:oMathParaPr>
-                      <m:jc m:val="centerGroup"/>
-                    </m:oMathParaPr>
-                    <m:oMath xmlns:m="http://schemas.openxmlformats.org/officeDocument/2006/math">
-                      <m:r>
-                        <a:rPr lang="en-CA" i="1" dirty="0" smtClean="0">
-                          <a:latin typeface="Cambria Math"/>
-                        </a:rPr>
-                        <m:t>𝑡</m:t>
-                      </m:r>
-                      <m:r>
-                        <a:rPr lang="en-CA" i="1" dirty="0" smtClean="0">
-                          <a:latin typeface="Cambria Math"/>
-                        </a:rPr>
-                        <m:t>(110) = −2.31, </m:t>
-                      </m:r>
-                      <m:r>
-                        <a:rPr lang="en-CA" i="1" dirty="0" smtClean="0">
-                          <a:latin typeface="Cambria Math"/>
-                        </a:rPr>
-                        <m:t>𝑝</m:t>
-                      </m:r>
-                      <m:r>
-                        <a:rPr lang="en-CA" i="1" dirty="0" smtClean="0">
-                          <a:latin typeface="Cambria Math"/>
-                        </a:rPr>
-                        <m:t> = .02</m:t>
-                      </m:r>
-                    </m:oMath>
-                  </m:oMathPara>
-                </a14:m>
-                <a:endParaRPr lang="en-CA" dirty="0"/>
-              </a:p>
-            </p:txBody>
-          </p:sp>
-        </mc:Choice>
-        <mc:Fallback xmlns="">
-          <p:sp>
-            <p:nvSpPr>
-              <p:cNvPr id="6" name="TextBox 5"/>
-              <p:cNvSpPr txBox="1">
-                <a:spLocks noRot="1" noChangeAspect="1" noMove="1" noResize="1" noEditPoints="1" noAdjustHandles="1" noChangeArrowheads="1" noChangeShapeType="1" noTextEdit="1"/>
-              </p:cNvSpPr>
-              <p:nvPr/>
-            </p:nvSpPr>
-            <p:spPr>
-              <a:xfrm>
-                <a:off x="5940152" y="6216551"/>
-                <a:ext cx="2847703" cy="369332"/>
-              </a:xfrm>
-              <a:prstGeom prst="rect">
-                <a:avLst/>
-              </a:prstGeom>
-              <a:blipFill rotWithShape="1">
-                <a:blip r:embed="rId3"/>
-                <a:stretch>
-                  <a:fillRect b="-13333"/>
-                </a:stretch>
-              </a:blipFill>
-            </p:spPr>
-            <p:txBody>
-              <a:bodyPr/>
-              <a:lstStyle/>
-              <a:p>
-                <a:r>
-                  <a:rPr lang="en-CA">
-                    <a:noFill/>
-                  </a:rPr>
-                  <a:t> </a:t>
-                </a:r>
-              </a:p>
-            </p:txBody>
-          </p:sp>
-        </mc:Fallback>
-      </mc:AlternateContent>
-    </p:spTree>
-    <p:extLst>
-      <p:ext uri="{BB962C8B-B14F-4D97-AF65-F5344CB8AC3E}">
-        <p14:creationId xmlns:p14="http://schemas.microsoft.com/office/powerpoint/2010/main" val="1708246546"/>
       </p:ext>
     </p:extLst>
   </p:cSld>
